--- a/Progetto-Terminali_Mobili.pptx
+++ b/Progetto-Terminali_Mobili.pptx
@@ -8073,7 +8073,7 @@
             </a:pPr>
             <a:r>
               <a:rPr lang="it-IT" sz="1800" dirty="0"/>
-              <a:t>Aumentare le informazioni dei relative allo stato dei prodotti. </a:t>
+              <a:t>Aumentare le informazioni relative allo stato dei prodotti. </a:t>
             </a:r>
           </a:p>
           <a:p>
@@ -8103,7 +8103,15 @@
             </a:pPr>
             <a:r>
               <a:rPr lang="it-IT" sz="1800" dirty="0"/>
-              <a:t>Aggiungere servizio clienti, per rendere più efficace il collegamento tra venditore e cliente. </a:t>
+              <a:t>Aggiungere servizio clienti, per rendere più efficace </a:t>
+            </a:r>
+            <a:r>
+              <a:rPr lang="it-IT" sz="1800"/>
+              <a:t>la comunicazione </a:t>
+            </a:r>
+            <a:r>
+              <a:rPr lang="it-IT" sz="1800" dirty="0"/>
+              <a:t>tra venditore e cliente. </a:t>
             </a:r>
           </a:p>
           <a:p>
